--- a/Apresentação1.pptx
+++ b/Apresentação1.pptx
@@ -284,7 +284,7 @@
           <a:p>
             <a:fld id="{808FD7EA-5581-4F29-A58D-91E95FB3D3A8}" type="datetimeFigureOut">
               <a:rPr lang="pt-BR" smtClean="0"/>
-              <a:t>23/08/2023</a:t>
+              <a:t>01/09/2023</a:t>
             </a:fld>
             <a:endParaRPr lang="pt-BR"/>
           </a:p>
@@ -482,7 +482,7 @@
           <a:p>
             <a:fld id="{808FD7EA-5581-4F29-A58D-91E95FB3D3A8}" type="datetimeFigureOut">
               <a:rPr lang="pt-BR" smtClean="0"/>
-              <a:t>23/08/2023</a:t>
+              <a:t>01/09/2023</a:t>
             </a:fld>
             <a:endParaRPr lang="pt-BR"/>
           </a:p>
@@ -690,7 +690,7 @@
           <a:p>
             <a:fld id="{808FD7EA-5581-4F29-A58D-91E95FB3D3A8}" type="datetimeFigureOut">
               <a:rPr lang="pt-BR" smtClean="0"/>
-              <a:t>23/08/2023</a:t>
+              <a:t>01/09/2023</a:t>
             </a:fld>
             <a:endParaRPr lang="pt-BR"/>
           </a:p>
@@ -888,7 +888,7 @@
           <a:p>
             <a:fld id="{808FD7EA-5581-4F29-A58D-91E95FB3D3A8}" type="datetimeFigureOut">
               <a:rPr lang="pt-BR" smtClean="0"/>
-              <a:t>23/08/2023</a:t>
+              <a:t>01/09/2023</a:t>
             </a:fld>
             <a:endParaRPr lang="pt-BR"/>
           </a:p>
@@ -1163,7 +1163,7 @@
           <a:p>
             <a:fld id="{808FD7EA-5581-4F29-A58D-91E95FB3D3A8}" type="datetimeFigureOut">
               <a:rPr lang="pt-BR" smtClean="0"/>
-              <a:t>23/08/2023</a:t>
+              <a:t>01/09/2023</a:t>
             </a:fld>
             <a:endParaRPr lang="pt-BR"/>
           </a:p>
@@ -1428,7 +1428,7 @@
           <a:p>
             <a:fld id="{808FD7EA-5581-4F29-A58D-91E95FB3D3A8}" type="datetimeFigureOut">
               <a:rPr lang="pt-BR" smtClean="0"/>
-              <a:t>23/08/2023</a:t>
+              <a:t>01/09/2023</a:t>
             </a:fld>
             <a:endParaRPr lang="pt-BR"/>
           </a:p>
@@ -1840,7 +1840,7 @@
           <a:p>
             <a:fld id="{808FD7EA-5581-4F29-A58D-91E95FB3D3A8}" type="datetimeFigureOut">
               <a:rPr lang="pt-BR" smtClean="0"/>
-              <a:t>23/08/2023</a:t>
+              <a:t>01/09/2023</a:t>
             </a:fld>
             <a:endParaRPr lang="pt-BR"/>
           </a:p>
@@ -1981,7 +1981,7 @@
           <a:p>
             <a:fld id="{808FD7EA-5581-4F29-A58D-91E95FB3D3A8}" type="datetimeFigureOut">
               <a:rPr lang="pt-BR" smtClean="0"/>
-              <a:t>23/08/2023</a:t>
+              <a:t>01/09/2023</a:t>
             </a:fld>
             <a:endParaRPr lang="pt-BR"/>
           </a:p>
@@ -2094,7 +2094,7 @@
           <a:p>
             <a:fld id="{808FD7EA-5581-4F29-A58D-91E95FB3D3A8}" type="datetimeFigureOut">
               <a:rPr lang="pt-BR" smtClean="0"/>
-              <a:t>23/08/2023</a:t>
+              <a:t>01/09/2023</a:t>
             </a:fld>
             <a:endParaRPr lang="pt-BR"/>
           </a:p>
@@ -2405,7 +2405,7 @@
           <a:p>
             <a:fld id="{808FD7EA-5581-4F29-A58D-91E95FB3D3A8}" type="datetimeFigureOut">
               <a:rPr lang="pt-BR" smtClean="0"/>
-              <a:t>23/08/2023</a:t>
+              <a:t>01/09/2023</a:t>
             </a:fld>
             <a:endParaRPr lang="pt-BR"/>
           </a:p>
@@ -2693,7 +2693,7 @@
           <a:p>
             <a:fld id="{808FD7EA-5581-4F29-A58D-91E95FB3D3A8}" type="datetimeFigureOut">
               <a:rPr lang="pt-BR" smtClean="0"/>
-              <a:t>23/08/2023</a:t>
+              <a:t>01/09/2023</a:t>
             </a:fld>
             <a:endParaRPr lang="pt-BR"/>
           </a:p>
@@ -2934,7 +2934,7 @@
           <a:p>
             <a:fld id="{808FD7EA-5581-4F29-A58D-91E95FB3D3A8}" type="datetimeFigureOut">
               <a:rPr lang="pt-BR" smtClean="0"/>
-              <a:t>23/08/2023</a:t>
+              <a:t>01/09/2023</a:t>
             </a:fld>
             <a:endParaRPr lang="pt-BR"/>
           </a:p>
@@ -3513,6 +3513,9 @@
               <a:rPr lang="pt-BR" dirty="0"/>
               <a:t> </a:t>
             </a:r>
+            <a:br>
+              <a:rPr lang="pt-BR" dirty="0"/>
+            </a:br>
             <a:r>
               <a:rPr lang="pt-BR" dirty="0" err="1"/>
               <a:t>desc</a:t>
@@ -3537,6 +3540,9 @@
               <a:rPr lang="pt-BR" dirty="0"/>
               <a:t>/100 ) </a:t>
             </a:r>
+            <a:br>
+              <a:rPr lang="pt-BR" dirty="0"/>
+            </a:br>
             <a:r>
               <a:rPr lang="pt-BR" dirty="0" err="1"/>
               <a:t>sl</a:t>
